--- a/Dissertation Defense_100314.pptx
+++ b/Dissertation Defense_100314.pptx
@@ -380,11 +380,11 @@
         </c:dLbls>
         <c:gapWidth val="55"/>
         <c:overlap val="100"/>
-        <c:axId val="-2116983224"/>
-        <c:axId val="-2105238360"/>
+        <c:axId val="-2122669784"/>
+        <c:axId val="-2122666936"/>
       </c:barChart>
       <c:catAx>
-        <c:axId val="-2116983224"/>
+        <c:axId val="-2122669784"/>
         <c:scaling>
           <c:orientation val="minMax"/>
         </c:scaling>
@@ -393,7 +393,7 @@
         <c:majorTickMark val="none"/>
         <c:minorTickMark val="none"/>
         <c:tickLblPos val="nextTo"/>
-        <c:crossAx val="-2105238360"/>
+        <c:crossAx val="-2122666936"/>
         <c:crosses val="autoZero"/>
         <c:auto val="1"/>
         <c:lblAlgn val="ctr"/>
@@ -401,7 +401,7 @@
         <c:noMultiLvlLbl val="0"/>
       </c:catAx>
       <c:valAx>
-        <c:axId val="-2105238360"/>
+        <c:axId val="-2122666936"/>
         <c:scaling>
           <c:orientation val="minMax"/>
         </c:scaling>
@@ -411,14 +411,13 @@
         <c:majorTickMark val="none"/>
         <c:minorTickMark val="none"/>
         <c:tickLblPos val="nextTo"/>
-        <c:crossAx val="-2116983224"/>
+        <c:crossAx val="-2122669784"/>
         <c:crosses val="autoZero"/>
         <c:crossBetween val="between"/>
       </c:valAx>
     </c:plotArea>
     <c:legend>
       <c:legendPos val="r"/>
-      <c:layout/>
       <c:overlay val="0"/>
     </c:legend>
     <c:plotVisOnly val="1"/>
@@ -523,7 +522,7 @@
           <a:p>
             <a:fld id="{8C7E2D46-9143-2747-87C0-8AA60AE3D810}" type="datetimeFigureOut">
               <a:rPr lang="en-US" smtClean="0"/>
-              <a:t>10/11/14</a:t>
+              <a:t>10/13/14</a:t>
             </a:fld>
             <a:endParaRPr lang="en-US"/>
           </a:p>
@@ -2026,11 +2025,7 @@
             </a:r>
             <a:r>
               <a:rPr lang="en-US" baseline="0" dirty="0" smtClean="0"/>
-              <a:t> now need to grade themselves on how involved they are, and the language here indicates that these are needed to “boost support in schools” and because “educators are exasperated” and that parent involvement won’t happen without “arm-twisting.</a:t>
-            </a:r>
-            <a:r>
-              <a:rPr lang="en-US" baseline="0" dirty="0" smtClean="0"/>
-              <a:t>”</a:t>
+              <a:t> now need to grade themselves on how involved they are, and the language here indicates that these are needed to “boost support in schools” and because “educators are exasperated” and that parent involvement won’t happen without “arm-twisting.”</a:t>
             </a:r>
           </a:p>
           <a:p>
@@ -4052,19 +4047,11 @@
           <a:p>
             <a:r>
               <a:rPr lang="en-US" dirty="0" smtClean="0"/>
-              <a:t>So</a:t>
-            </a:r>
-            <a:r>
-              <a:rPr lang="en-US" dirty="0" smtClean="0"/>
-              <a:t>, if a new teacher were to start at the school, she </a:t>
+              <a:t>So, if a new teacher were to start at the school, she </a:t>
             </a:r>
             <a:r>
               <a:rPr lang="en-US" baseline="0" dirty="0" smtClean="0"/>
-              <a:t>would soon know from how faculty members talk about families and family engagement what the level of collective trust is in the school</a:t>
-            </a:r>
-            <a:r>
-              <a:rPr lang="en-US" baseline="0" dirty="0" smtClean="0"/>
-              <a:t>.</a:t>
+              <a:t>would soon know from how faculty members talk about families and family engagement what the level of collective trust is in the school.</a:t>
             </a:r>
           </a:p>
           <a:p>
@@ -4413,11 +4400,7 @@
             </a:pPr>
             <a:r>
               <a:rPr lang="en-US" baseline="0" dirty="0" smtClean="0"/>
-              <a:t>Murkiness </a:t>
-            </a:r>
-            <a:r>
-              <a:rPr lang="en-US" baseline="0" dirty="0" smtClean="0"/>
-              <a:t>about…requires a more ecologically based model that actually considers individual faculty members and how the experiences and attitudes of individual faculty members influence social exchange between faculty.</a:t>
+              <a:t>Murkiness about…requires a more ecologically based model that actually considers individual faculty members and how the experiences and attitudes of individual faculty members influence social exchange between faculty.</a:t>
             </a:r>
           </a:p>
           <a:p>
@@ -4526,11 +4509,7 @@
             </a:r>
             <a:r>
               <a:rPr lang="en-US" baseline="0" dirty="0" smtClean="0"/>
-              <a:t> literature and critical family engagement </a:t>
-            </a:r>
-            <a:r>
-              <a:rPr lang="en-US" baseline="0" dirty="0" smtClean="0"/>
-              <a:t>literature</a:t>
+              <a:t> literature and critical family engagement literature</a:t>
             </a:r>
           </a:p>
           <a:p>
@@ -4659,11 +4638,7 @@
             </a:r>
             <a:r>
               <a:rPr lang="en-US" baseline="0" dirty="0" smtClean="0"/>
-              <a:t> schools. School B was considerably smaller than school A with about 130 fewer students.  Both had student populations that were ____________. And, school B had been ‘fresh started’ in 2010, meaning that all but 3 teachers were replaced because the school was deemed as failing under NCLB. Both schools were located within a Promise Neighborhood initiative, and both were in their first year of being associated with CIS, a national community schools operator that places in schools a full-time community school coordinator. For the first year, both schools also offered a six-week in-service PD called Teachers Involving Parents (TIP) to faculty after-school, and TIP was a pre-packaged program selected by the Promise Neighborhood staff and implemented by the CIS coordinators</a:t>
-            </a:r>
-            <a:r>
-              <a:rPr lang="en-US" baseline="0" dirty="0" smtClean="0"/>
-              <a:t>. </a:t>
+              <a:t> schools. School B was considerably smaller than school A with about 130 fewer students.  Both had student populations that were ____________. And, school B had been ‘fresh started’ in 2010, meaning that all but 3 teachers were replaced because the school was deemed as failing under NCLB. Both schools were located within a Promise Neighborhood initiative, and both were in their first year of being associated with CIS, a national community schools operator that places in schools a full-time community school coordinator. For the first year, both schools also offered a six-week in-service PD called Teachers Involving Parents (TIP) to faculty after-school, and TIP was a pre-packaged program selected by the Promise Neighborhood staff and implemented by the CIS coordinators. </a:t>
             </a:r>
             <a:r>
               <a:rPr lang="en-US" sz="1600" dirty="0" smtClean="0"/>
@@ -4922,7 +4897,7 @@
           <a:p>
             <a:fld id="{F078E3BD-7C2E-CF43-AB91-A970ECCA8D29}" type="datetimeFigureOut">
               <a:rPr lang="en-US" smtClean="0"/>
-              <a:t>10/11/14</a:t>
+              <a:t>10/13/14</a:t>
             </a:fld>
             <a:endParaRPr lang="en-US"/>
           </a:p>
@@ -5092,7 +5067,7 @@
           <a:p>
             <a:fld id="{F078E3BD-7C2E-CF43-AB91-A970ECCA8D29}" type="datetimeFigureOut">
               <a:rPr lang="en-US" smtClean="0"/>
-              <a:t>10/11/14</a:t>
+              <a:t>10/13/14</a:t>
             </a:fld>
             <a:endParaRPr lang="en-US"/>
           </a:p>
@@ -5272,7 +5247,7 @@
           <a:p>
             <a:fld id="{F078E3BD-7C2E-CF43-AB91-A970ECCA8D29}" type="datetimeFigureOut">
               <a:rPr lang="en-US" smtClean="0"/>
-              <a:t>10/11/14</a:t>
+              <a:t>10/13/14</a:t>
             </a:fld>
             <a:endParaRPr lang="en-US"/>
           </a:p>
@@ -5442,7 +5417,7 @@
           <a:p>
             <a:fld id="{F078E3BD-7C2E-CF43-AB91-A970ECCA8D29}" type="datetimeFigureOut">
               <a:rPr lang="en-US" smtClean="0"/>
-              <a:t>10/11/14</a:t>
+              <a:t>10/13/14</a:t>
             </a:fld>
             <a:endParaRPr lang="en-US"/>
           </a:p>
@@ -5688,7 +5663,7 @@
           <a:p>
             <a:fld id="{F078E3BD-7C2E-CF43-AB91-A970ECCA8D29}" type="datetimeFigureOut">
               <a:rPr lang="en-US" smtClean="0"/>
-              <a:t>10/11/14</a:t>
+              <a:t>10/13/14</a:t>
             </a:fld>
             <a:endParaRPr lang="en-US"/>
           </a:p>
@@ -5976,7 +5951,7 @@
           <a:p>
             <a:fld id="{F078E3BD-7C2E-CF43-AB91-A970ECCA8D29}" type="datetimeFigureOut">
               <a:rPr lang="en-US" smtClean="0"/>
-              <a:t>10/11/14</a:t>
+              <a:t>10/13/14</a:t>
             </a:fld>
             <a:endParaRPr lang="en-US"/>
           </a:p>
@@ -6398,7 +6373,7 @@
           <a:p>
             <a:fld id="{F078E3BD-7C2E-CF43-AB91-A970ECCA8D29}" type="datetimeFigureOut">
               <a:rPr lang="en-US" smtClean="0"/>
-              <a:t>10/11/14</a:t>
+              <a:t>10/13/14</a:t>
             </a:fld>
             <a:endParaRPr lang="en-US"/>
           </a:p>
@@ -6516,7 +6491,7 @@
           <a:p>
             <a:fld id="{F078E3BD-7C2E-CF43-AB91-A970ECCA8D29}" type="datetimeFigureOut">
               <a:rPr lang="en-US" smtClean="0"/>
-              <a:t>10/11/14</a:t>
+              <a:t>10/13/14</a:t>
             </a:fld>
             <a:endParaRPr lang="en-US"/>
           </a:p>
@@ -6611,7 +6586,7 @@
           <a:p>
             <a:fld id="{F078E3BD-7C2E-CF43-AB91-A970ECCA8D29}" type="datetimeFigureOut">
               <a:rPr lang="en-US" smtClean="0"/>
-              <a:t>10/11/14</a:t>
+              <a:t>10/13/14</a:t>
             </a:fld>
             <a:endParaRPr lang="en-US"/>
           </a:p>
@@ -6888,7 +6863,7 @@
           <a:p>
             <a:fld id="{F078E3BD-7C2E-CF43-AB91-A970ECCA8D29}" type="datetimeFigureOut">
               <a:rPr lang="en-US" smtClean="0"/>
-              <a:t>10/11/14</a:t>
+              <a:t>10/13/14</a:t>
             </a:fld>
             <a:endParaRPr lang="en-US"/>
           </a:p>
@@ -7141,7 +7116,7 @@
           <a:p>
             <a:fld id="{F078E3BD-7C2E-CF43-AB91-A970ECCA8D29}" type="datetimeFigureOut">
               <a:rPr lang="en-US" smtClean="0"/>
-              <a:t>10/11/14</a:t>
+              <a:t>10/13/14</a:t>
             </a:fld>
             <a:endParaRPr lang="en-US"/>
           </a:p>
@@ -7354,7 +7329,7 @@
           <a:p>
             <a:fld id="{F078E3BD-7C2E-CF43-AB91-A970ECCA8D29}" type="datetimeFigureOut">
               <a:rPr lang="en-US" smtClean="0"/>
-              <a:t>10/11/14</a:t>
+              <a:t>10/13/14</a:t>
             </a:fld>
             <a:endParaRPr lang="en-US"/>
           </a:p>
@@ -7741,39 +7716,28 @@
         </p:nvSpPr>
         <p:spPr>
           <a:xfrm>
-            <a:off x="685800" y="1633419"/>
-            <a:ext cx="7772400" cy="1470025"/>
+            <a:off x="224131" y="2027652"/>
+            <a:ext cx="7433602" cy="2977447"/>
           </a:xfrm>
         </p:spPr>
         <p:txBody>
           <a:bodyPr>
-            <a:normAutofit fontScale="90000"/>
+            <a:normAutofit/>
           </a:bodyPr>
           <a:lstStyle/>
           <a:p>
-            <a:r>
-              <a:rPr lang="en-US" dirty="0"/>
-              <a:t>RE-IMAGINING SCHOOL COMMUNITIES: </a:t>
-            </a:r>
-            <a:r>
-              <a:rPr lang="en-US" dirty="0" smtClean="0"/>
-              <a:t/>
-            </a:r>
-            <a:br>
-              <a:rPr lang="en-US" dirty="0" smtClean="0"/>
-            </a:br>
-            <a:r>
-              <a:rPr lang="en-US" dirty="0" smtClean="0"/>
-              <a:t/>
-            </a:r>
-            <a:br>
-              <a:rPr lang="en-US" dirty="0" smtClean="0"/>
-            </a:br>
-            <a:r>
-              <a:rPr lang="en-US" dirty="0" smtClean="0"/>
+            <a:pPr algn="l"/>
+            <a:r>
+              <a:rPr lang="en-US" dirty="0" smtClean="0">
+                <a:latin typeface="Helvetica"/>
+                <a:cs typeface="Helvetica"/>
+              </a:rPr>
               <a:t>An Exploration of the Factors Influencing Teachers’ Trust in Parents</a:t>
             </a:r>
-            <a:endParaRPr lang="en-US" dirty="0"/>
+            <a:endParaRPr lang="en-US" dirty="0">
+              <a:latin typeface="Helvetica"/>
+              <a:cs typeface="Helvetica"/>
+            </a:endParaRPr>
           </a:p>
         </p:txBody>
       </p:sp>
@@ -7800,22 +7764,83 @@
           <a:lstStyle/>
           <a:p>
             <a:r>
-              <a:rPr lang="en-US" sz="2400" dirty="0" smtClean="0"/>
+              <a:rPr lang="en-US" sz="2400" dirty="0" smtClean="0">
+                <a:latin typeface="Helvetica Neue Light"/>
+                <a:cs typeface="Helvetica Neue Light"/>
+              </a:rPr>
               <a:t>Joanna D. Geller</a:t>
             </a:r>
           </a:p>
           <a:p>
             <a:r>
-              <a:rPr lang="en-US" sz="2400" dirty="0" smtClean="0"/>
+              <a:rPr lang="en-US" sz="2400" dirty="0" smtClean="0">
+                <a:latin typeface="Helvetica Neue Light"/>
+                <a:cs typeface="Helvetica Neue Light"/>
+              </a:rPr>
               <a:t>October 27, 2014</a:t>
             </a:r>
           </a:p>
           <a:p>
             <a:r>
-              <a:rPr lang="en-US" sz="2400" dirty="0" smtClean="0"/>
+              <a:rPr lang="en-US" sz="2400" dirty="0" smtClean="0">
+                <a:latin typeface="Helvetica Neue Light"/>
+                <a:cs typeface="Helvetica Neue Light"/>
+              </a:rPr>
               <a:t>Dissertation Defense</a:t>
             </a:r>
-            <a:endParaRPr lang="en-US" sz="2400" dirty="0"/>
+            <a:endParaRPr lang="en-US" sz="2400" dirty="0">
+              <a:latin typeface="Helvetica Neue Light"/>
+              <a:cs typeface="Helvetica Neue Light"/>
+            </a:endParaRPr>
+          </a:p>
+        </p:txBody>
+      </p:sp>
+      <p:sp>
+        <p:nvSpPr>
+          <p:cNvPr id="5" name="TextBox 4"/>
+          <p:cNvSpPr txBox="1"/>
+          <p:nvPr/>
+        </p:nvSpPr>
+        <p:spPr>
+          <a:xfrm>
+            <a:off x="117401" y="430119"/>
+            <a:ext cx="7540332" cy="1323439"/>
+          </a:xfrm>
+          <a:prstGeom prst="rect">
+            <a:avLst/>
+          </a:prstGeom>
+          <a:noFill/>
+        </p:spPr>
+        <p:txBody>
+          <a:bodyPr wrap="square" rtlCol="0">
+            <a:spAutoFit/>
+          </a:bodyPr>
+          <a:lstStyle/>
+          <a:p>
+            <a:r>
+              <a:rPr lang="en-US" sz="4000" dirty="0">
+                <a:latin typeface="Helvetica Neue"/>
+                <a:cs typeface="Helvetica Neue"/>
+              </a:rPr>
+              <a:t>RE-IMAGINING </a:t>
+            </a:r>
+            <a:endParaRPr lang="en-US" sz="4000" dirty="0" smtClean="0">
+              <a:latin typeface="Helvetica Neue"/>
+              <a:cs typeface="Helvetica Neue"/>
+            </a:endParaRPr>
+          </a:p>
+          <a:p>
+            <a:r>
+              <a:rPr lang="en-US" sz="4000" dirty="0" smtClean="0">
+                <a:latin typeface="Helvetica Neue"/>
+                <a:cs typeface="Helvetica Neue"/>
+              </a:rPr>
+              <a:t>SCHOOL COMMUNITIES: </a:t>
+            </a:r>
+            <a:endParaRPr lang="en-US" sz="4000" dirty="0">
+              <a:latin typeface="Helvetica Neue"/>
+              <a:cs typeface="Helvetica Neue"/>
+            </a:endParaRPr>
           </a:p>
         </p:txBody>
       </p:sp>
@@ -9107,15 +9132,7 @@
                   <a:srgbClr val="FF0000"/>
                 </a:solidFill>
               </a:rPr>
-              <a:t>Murkiness about how faculty have agency to influence </a:t>
-            </a:r>
-            <a:r>
-              <a:rPr lang="en-US" dirty="0" smtClean="0">
-                <a:solidFill>
-                  <a:srgbClr val="FF0000"/>
-                </a:solidFill>
-              </a:rPr>
-              <a:t>social exchange</a:t>
+              <a:t>Murkiness about how faculty have agency to influence social exchange</a:t>
             </a:r>
             <a:endParaRPr lang="en-US" dirty="0">
               <a:solidFill>
@@ -10234,11 +10251,6 @@
               </a:rPr>
               <a:t>Jones Elementary</a:t>
             </a:r>
-            <a:endParaRPr lang="en-US" dirty="0" smtClean="0">
-              <a:solidFill>
-                <a:srgbClr val="000000"/>
-              </a:solidFill>
-            </a:endParaRPr>
           </a:p>
           <a:p>
             <a:pPr algn="ctr"/>
@@ -11002,11 +11014,7 @@
                     <a:p>
                       <a:r>
                         <a:rPr lang="en-US" dirty="0" smtClean="0"/>
-                        <a:t>% </a:t>
-                      </a:r>
-                      <a:r>
-                        <a:rPr lang="en-US" dirty="0" smtClean="0"/>
-                        <a:t>Black</a:t>
+                        <a:t>% Black</a:t>
                       </a:r>
                       <a:endParaRPr lang="en-US" dirty="0"/>
                     </a:p>
@@ -11024,11 +11032,7 @@
                       </a:r>
                       <a:r>
                         <a:rPr lang="en-US" baseline="0" dirty="0" smtClean="0"/>
-                        <a:t> </a:t>
-                      </a:r>
-                      <a:r>
-                        <a:rPr lang="en-US" baseline="0" dirty="0" smtClean="0"/>
-                        <a:t>Hispanic</a:t>
+                        <a:t> Hispanic</a:t>
                       </a:r>
                       <a:endParaRPr lang="en-US" dirty="0"/>
                     </a:p>
@@ -11328,7 +11332,6 @@
                         <a:rPr lang="en-US" dirty="0" smtClean="0"/>
                         <a:t>71</a:t>
                       </a:r>
-                      <a:endParaRPr lang="en-US" dirty="0" smtClean="0"/>
                     </a:p>
                     <a:p>
                       <a:endParaRPr lang="en-US" dirty="0"/>
@@ -11676,15 +11679,7 @@
             <a:pPr lvl="1"/>
             <a:r>
               <a:rPr lang="en-US" dirty="0" smtClean="0"/>
-              <a:t>Inquirer </a:t>
-            </a:r>
-            <a:r>
-              <a:rPr lang="en-US" dirty="0" smtClean="0"/>
-              <a:t>cannot maintain objective distance from the phenomena being </a:t>
-            </a:r>
-            <a:r>
-              <a:rPr lang="en-US" dirty="0" smtClean="0"/>
-              <a:t>studied</a:t>
+              <a:t>Inquirer cannot maintain objective distance from the phenomena being studied</a:t>
             </a:r>
           </a:p>
           <a:p>
@@ -11786,13 +11781,8 @@
           <a:p>
             <a:r>
               <a:rPr lang="en-US" dirty="0" smtClean="0"/>
-              <a:t>Observed all 12 TIP </a:t>
-            </a:r>
-            <a:r>
-              <a:rPr lang="en-US" dirty="0" smtClean="0"/>
-              <a:t>sessions – 6 per school</a:t>
-            </a:r>
-            <a:endParaRPr lang="en-US" dirty="0" smtClean="0"/>
+              <a:t>Observed all 12 TIP sessions – 6 per school</a:t>
+            </a:r>
           </a:p>
           <a:p>
             <a:pPr marL="0" indent="0">
@@ -11803,11 +11793,7 @@
           <a:p>
             <a:r>
               <a:rPr lang="en-US" dirty="0" smtClean="0"/>
-              <a:t>Field notes described physical and social environment, planned and unplanned program activities, non-verbal communication, non-occurrences, and my own thoughts, feeling, </a:t>
-            </a:r>
-            <a:r>
-              <a:rPr lang="en-US" dirty="0" smtClean="0"/>
-              <a:t>reactions</a:t>
+              <a:t>Field notes described physical and social environment, planned and unplanned program activities, non-verbal communication, non-occurrences, and my own thoughts, feeling, reactions</a:t>
             </a:r>
           </a:p>
           <a:p>
@@ -11945,11 +11931,7 @@
             <a:pPr lvl="1"/>
             <a:r>
               <a:rPr lang="en-US" dirty="0" smtClean="0"/>
-              <a:t>Included </a:t>
-            </a:r>
-            <a:r>
-              <a:rPr lang="en-US" dirty="0" smtClean="0"/>
-              <a:t>classroom teachers, EL teachers, special education teachers, support staff (guidance counselors, cafeteria manager, CIS coordinators)</a:t>
+              <a:t>Included classroom teachers, EL teachers, special education teachers, support staff (guidance counselors, cafeteria manager, CIS coordinators)</a:t>
             </a:r>
           </a:p>
           <a:p>
@@ -13611,11 +13593,7 @@
             </a:r>
             <a:r>
               <a:rPr lang="en-US" dirty="0" smtClean="0"/>
-              <a:t>) to conduct </a:t>
-            </a:r>
-            <a:r>
-              <a:rPr lang="en-US" dirty="0" smtClean="0"/>
-              <a:t>line-by-line open coding, revising codebook along the way</a:t>
+              <a:t>) to conduct line-by-line open coding, revising codebook along the way</a:t>
             </a:r>
           </a:p>
           <a:p>
@@ -13624,15 +13602,7 @@
             </a:pPr>
             <a:r>
               <a:rPr lang="en-US" dirty="0" smtClean="0"/>
-              <a:t>Used the constant </a:t>
-            </a:r>
-            <a:r>
-              <a:rPr lang="en-US" dirty="0" smtClean="0"/>
-              <a:t>comparative </a:t>
-            </a:r>
-            <a:r>
-              <a:rPr lang="en-US" dirty="0" smtClean="0"/>
-              <a:t>method (</a:t>
+              <a:t>Used the constant comparative method (</a:t>
             </a:r>
             <a:r>
               <a:rPr lang="en-US" dirty="0" err="1" smtClean="0"/>
@@ -14473,15 +14443,7 @@
                   <a:schemeClr val="tx1"/>
                 </a:solidFill>
               </a:rPr>
-              <a:t>Degree of t</a:t>
-            </a:r>
-            <a:r>
-              <a:rPr lang="en-US" b="1" dirty="0" smtClean="0">
-                <a:solidFill>
-                  <a:schemeClr val="tx1"/>
-                </a:solidFill>
-              </a:rPr>
-              <a:t>rust:</a:t>
+              <a:t>Degree of trust:</a:t>
             </a:r>
           </a:p>
           <a:p>
@@ -14785,15 +14747,7 @@
                   <a:schemeClr val="tx1"/>
                 </a:solidFill>
               </a:rPr>
-              <a:t>Degree of t</a:t>
-            </a:r>
-            <a:r>
-              <a:rPr lang="en-US" b="1" dirty="0" smtClean="0">
-                <a:solidFill>
-                  <a:schemeClr val="tx1"/>
-                </a:solidFill>
-              </a:rPr>
-              <a:t>rust:</a:t>
+              <a:t>Degree of trust:</a:t>
             </a:r>
           </a:p>
           <a:p>
@@ -15157,15 +15111,7 @@
                   <a:schemeClr val="tx1"/>
                 </a:solidFill>
               </a:rPr>
-              <a:t>Degree of t</a:t>
-            </a:r>
-            <a:r>
-              <a:rPr lang="en-US" b="1" dirty="0" smtClean="0">
-                <a:solidFill>
-                  <a:schemeClr val="tx1"/>
-                </a:solidFill>
-              </a:rPr>
-              <a:t>rust:</a:t>
+              <a:t>Degree of trust:</a:t>
             </a:r>
           </a:p>
           <a:p>
@@ -15551,11 +15497,7 @@
           <a:p>
             <a:r>
               <a:rPr lang="en-US" dirty="0" smtClean="0"/>
-              <a:t>1. Hegemonic norms about family engagement and low-income </a:t>
-            </a:r>
-            <a:r>
-              <a:rPr lang="en-US" dirty="0" smtClean="0"/>
-              <a:t>families influenced teachers’ trust</a:t>
+              <a:t>1. Hegemonic norms about family engagement and low-income families influenced teachers’ trust</a:t>
             </a:r>
             <a:endParaRPr lang="en-US" dirty="0"/>
           </a:p>
@@ -15804,7 +15746,6 @@
               <a:rPr lang="en-US" dirty="0"/>
               <a:t>“There’s just a, it’s just a different culture. Inner city, it’s just a different world here, you know.” </a:t>
             </a:r>
-            <a:endParaRPr lang="en-US" dirty="0"/>
           </a:p>
           <a:p>
             <a:pPr marL="0" indent="0">
@@ -16076,11 +16017,7 @@
           <a:p>
             <a:r>
               <a:rPr lang="en-US" dirty="0" smtClean="0"/>
-              <a:t>2. </a:t>
-            </a:r>
-            <a:r>
-              <a:rPr lang="en-US" dirty="0" smtClean="0"/>
-              <a:t>Teachers’ emotions from interacting with families influenced trust</a:t>
+              <a:t>2. Teachers’ emotions from interacting with families influenced trust</a:t>
             </a:r>
             <a:endParaRPr lang="en-US" dirty="0"/>
           </a:p>
@@ -17170,15 +17107,7 @@
           <a:p>
             <a:r>
               <a:rPr lang="en-US" dirty="0" smtClean="0"/>
-              <a:t>Perceptions of Collective </a:t>
-            </a:r>
-            <a:r>
-              <a:rPr lang="en-US" dirty="0" smtClean="0"/>
-              <a:t>Faculty </a:t>
-            </a:r>
-            <a:r>
-              <a:rPr lang="en-US" dirty="0" smtClean="0"/>
-              <a:t>Trust Varied </a:t>
+              <a:t>Perceptions of Collective Faculty Trust Varied </a:t>
             </a:r>
             <a:r>
               <a:rPr lang="en-US" i="1" dirty="0" smtClean="0"/>
@@ -17207,29 +17136,13 @@
           <a:p>
             <a:r>
               <a:rPr lang="en-US" dirty="0" smtClean="0"/>
-              <a:t>Teachers </a:t>
-            </a:r>
-            <a:r>
-              <a:rPr lang="en-US" dirty="0" smtClean="0"/>
-              <a:t>in </a:t>
-            </a:r>
-            <a:r>
-              <a:rPr lang="en-US" dirty="0" smtClean="0"/>
-              <a:t>the P/E </a:t>
-            </a:r>
-            <a:r>
-              <a:rPr lang="en-US" dirty="0" smtClean="0"/>
-              <a:t>group (70%) remarked that colleagues constantly expressed mistrust in families.</a:t>
-            </a:r>
-          </a:p>
-          <a:p>
-            <a:r>
-              <a:rPr lang="en-US" dirty="0" smtClean="0"/>
-              <a:t>Correlations </a:t>
-            </a:r>
-            <a:r>
-              <a:rPr lang="en-US" dirty="0" smtClean="0"/>
-              <a:t>from survey data show that the more a teacher believes there is collective faculty trust:</a:t>
+              <a:t>Teachers in the P/E group (70%) remarked that colleagues constantly expressed mistrust in families.</a:t>
+            </a:r>
+          </a:p>
+          <a:p>
+            <a:r>
+              <a:rPr lang="en-US" dirty="0" smtClean="0"/>
+              <a:t>Correlations from survey data show that the more a teacher believes there is collective faculty trust:</a:t>
             </a:r>
           </a:p>
           <a:p>
@@ -18032,27 +17945,11 @@
                     <a:p>
                       <a:r>
                         <a:rPr lang="en-US" dirty="0" smtClean="0"/>
-                        <a:t>88% agreed that </a:t>
-                      </a:r>
-                      <a:r>
-                        <a:rPr lang="en-US" dirty="0" smtClean="0"/>
-                        <a:t>teachers had</a:t>
+                        <a:t>88% agreed that teachers had</a:t>
                       </a:r>
                       <a:r>
                         <a:rPr lang="en-US" baseline="0" dirty="0" smtClean="0"/>
-                        <a:t> a role in school improvement and </a:t>
-                      </a:r>
-                      <a:r>
-                        <a:rPr lang="en-US" baseline="0" dirty="0" smtClean="0"/>
-                        <a:t>change </a:t>
-                      </a:r>
-                      <a:r>
-                        <a:rPr lang="en-US" baseline="0" dirty="0" smtClean="0"/>
-                        <a:t>efforts were more </a:t>
-                      </a:r>
-                      <a:r>
-                        <a:rPr lang="en-US" baseline="0" dirty="0" smtClean="0"/>
-                        <a:t>collectively based</a:t>
+                        <a:t> a role in school improvement and change efforts were more collectively based</a:t>
                       </a:r>
                       <a:endParaRPr lang="en-US" dirty="0"/>
                     </a:p>
@@ -18066,19 +17963,11 @@
                     <a:p>
                       <a:r>
                         <a:rPr lang="en-US" dirty="0" smtClean="0"/>
-                        <a:t>56% agreed that </a:t>
-                      </a:r>
-                      <a:r>
-                        <a:rPr lang="en-US" dirty="0" smtClean="0"/>
-                        <a:t>teachers had</a:t>
+                        <a:t>56% agreed that teachers had</a:t>
                       </a:r>
                       <a:r>
                         <a:rPr lang="en-US" baseline="0" dirty="0" smtClean="0"/>
-                        <a:t> a role in school improvement and change efforts were more </a:t>
-                      </a:r>
-                      <a:r>
-                        <a:rPr lang="en-US" baseline="0" dirty="0" smtClean="0"/>
-                        <a:t>individually-based</a:t>
+                        <a:t> a role in school improvement and change efforts were more individually-based</a:t>
                       </a:r>
                       <a:endParaRPr lang="en-US" dirty="0"/>
                     </a:p>
@@ -18739,14 +18628,7 @@
                 <a:latin typeface="Helvetica"/>
                 <a:cs typeface="Helvetica"/>
               </a:rPr>
-              <a:t>“I can’t tell you how many times teachers will knock on my door and be like, oh, my gosh! I just had a parent interaction I wish I could have recorded for you.”</a:t>
-            </a:r>
-            <a:r>
-              <a:rPr lang="en-US" dirty="0">
-                <a:latin typeface="Helvetica"/>
-                <a:cs typeface="Helvetica"/>
-              </a:rPr>
-              <a:t> </a:t>
+              <a:t>“I can’t tell you how many times teachers will knock on my door and be like, oh, my gosh! I just had a parent interaction I wish I could have recorded for you.” </a:t>
             </a:r>
             <a:endParaRPr lang="en-US" dirty="0" smtClean="0">
               <a:latin typeface="Helvetica"/>
@@ -18903,11 +18785,7 @@
             <a:pPr lvl="1"/>
             <a:r>
               <a:rPr lang="en-US" dirty="0" smtClean="0"/>
-              <a:t>Racial/ethnic difference: Students of color comprise 40% of the public school population. Teachers of color comprise only 17% of th</a:t>
-            </a:r>
-            <a:r>
-              <a:rPr lang="en-US" dirty="0" smtClean="0"/>
-              <a:t>e teaching force (Center for American Progress, 2011)</a:t>
+              <a:t>Racial/ethnic difference: Students of color comprise 40% of the public school population. Teachers of color comprise only 17% of the teaching force (Center for American Progress, 2011)</a:t>
             </a:r>
           </a:p>
           <a:p>
@@ -19055,11 +18933,7 @@
           <a:p>
             <a:r>
               <a:rPr lang="en-US" dirty="0" smtClean="0"/>
-              <a:t>1. </a:t>
-            </a:r>
-            <a:r>
-              <a:rPr lang="en-US" dirty="0" smtClean="0"/>
-              <a:t>Credible Challengers</a:t>
+              <a:t>1. Credible Challengers</a:t>
             </a:r>
             <a:endParaRPr lang="en-US" dirty="0"/>
           </a:p>
@@ -19235,15 +19109,7 @@
             </a:r>
             <a:r>
               <a:rPr lang="en-US" dirty="0" smtClean="0"/>
-              <a:t>. </a:t>
-            </a:r>
-            <a:r>
-              <a:rPr lang="en-US" dirty="0" smtClean="0"/>
-              <a:t>Principal Buy-</a:t>
-            </a:r>
-            <a:r>
-              <a:rPr lang="en-US" dirty="0" smtClean="0"/>
-              <a:t>In </a:t>
+              <a:t>. Principal Buy-In </a:t>
             </a:r>
             <a:endParaRPr lang="en-US" dirty="0"/>
           </a:p>
@@ -19460,11 +19326,7 @@
             <a:pPr lvl="1"/>
             <a:r>
               <a:rPr lang="en-US" dirty="0" smtClean="0"/>
-              <a:t>Being optimistic that colleagues coul</a:t>
-            </a:r>
-            <a:r>
-              <a:rPr lang="en-US" dirty="0" smtClean="0"/>
-              <a:t>d change</a:t>
+              <a:t>Being optimistic that colleagues could change</a:t>
             </a:r>
             <a:endParaRPr lang="en-US" dirty="0"/>
           </a:p>
@@ -20217,13 +20079,8 @@
           <a:p>
             <a:r>
               <a:rPr lang="en-US" dirty="0" smtClean="0"/>
-              <a:t>Hegemonic ideas about family engagement and low-income families, difficult emotions, and pressures of the policy environment limit teacher trust in fa</a:t>
-            </a:r>
-            <a:r>
-              <a:rPr lang="en-US" dirty="0" smtClean="0"/>
-              <a:t>milies.</a:t>
-            </a:r>
-            <a:endParaRPr lang="en-US" dirty="0" smtClean="0"/>
+              <a:t>Hegemonic ideas about family engagement and low-income families, difficult emotions, and pressures of the policy environment limit teacher trust in families.</a:t>
+            </a:r>
           </a:p>
           <a:p>
             <a:r>
@@ -20359,11 +20216,7 @@
             </a:r>
             <a:r>
               <a:rPr lang="en-US" dirty="0" smtClean="0"/>
-              <a:t>: </a:t>
-            </a:r>
-            <a:r>
-              <a:rPr lang="en-US" dirty="0" smtClean="0"/>
-              <a:t>a teacher’s willingness </a:t>
+              <a:t>: a teacher’s willingness </a:t>
             </a:r>
             <a:r>
               <a:rPr lang="en-US" dirty="0"/>
@@ -20395,11 +20248,7 @@
             </a:r>
             <a:r>
               <a:rPr lang="en-US" dirty="0" smtClean="0"/>
-              <a:t>-Moran &amp; Hoy, 2000</a:t>
-            </a:r>
-            <a:r>
-              <a:rPr lang="en-US" dirty="0" smtClean="0"/>
-              <a:t>).</a:t>
+              <a:t>-Moran &amp; Hoy, 2000).</a:t>
             </a:r>
           </a:p>
           <a:p>
@@ -20517,19 +20366,7 @@
             </a:r>
             <a:r>
               <a:rPr lang="en-US" dirty="0" smtClean="0"/>
-              <a:t>when trusting parents is a school-level norm </a:t>
-            </a:r>
-            <a:r>
-              <a:rPr lang="en-US" dirty="0" smtClean="0"/>
-              <a:t>(</a:t>
-            </a:r>
-            <a:r>
-              <a:rPr lang="en-US" dirty="0" smtClean="0"/>
-              <a:t>Forsyth, Adams, &amp; Hoy, 2011</a:t>
-            </a:r>
-            <a:r>
-              <a:rPr lang="en-US" dirty="0" smtClean="0"/>
-              <a:t>).</a:t>
+              <a:t>when trusting parents is a school-level norm (Forsyth, Adams, &amp; Hoy, 2011).</a:t>
             </a:r>
           </a:p>
           <a:p>
@@ -20692,11 +20529,7 @@
           <a:p>
             <a:r>
               <a:rPr lang="en-US" dirty="0" smtClean="0"/>
-              <a:t>Role as program </a:t>
-            </a:r>
-            <a:r>
-              <a:rPr lang="en-US" dirty="0" smtClean="0"/>
-              <a:t>facilitator might have influenced participants’ honesty about TIP</a:t>
+              <a:t>Role as program facilitator might have influenced participants’ honesty about TIP</a:t>
             </a:r>
           </a:p>
           <a:p>
@@ -20719,7 +20552,6 @@
               <a:rPr lang="en-US" dirty="0" smtClean="0"/>
               <a:t>perspective</a:t>
             </a:r>
-            <a:endParaRPr lang="en-US" dirty="0" smtClean="0"/>
           </a:p>
           <a:p>
             <a:pPr marL="0" indent="0">
@@ -20813,11 +20645,7 @@
           <a:p>
             <a:r>
               <a:rPr lang="en-US" dirty="0" smtClean="0"/>
-              <a:t>Implications for </a:t>
-            </a:r>
-            <a:r>
-              <a:rPr lang="en-US" dirty="0" smtClean="0"/>
-              <a:t>teacher professional development</a:t>
+              <a:t>Implications for teacher professional development</a:t>
             </a:r>
             <a:endParaRPr lang="en-US" dirty="0"/>
           </a:p>
@@ -21342,15 +21170,7 @@
           <a:p>
             <a:r>
               <a:rPr lang="en-US" dirty="0" smtClean="0"/>
-              <a:t>Narrative that children cannot succeed without engaged parents </a:t>
-            </a:r>
-            <a:r>
-              <a:rPr lang="en-US" dirty="0" smtClean="0"/>
-              <a:t>(</a:t>
-            </a:r>
-            <a:r>
-              <a:rPr lang="en-US" dirty="0" smtClean="0"/>
-              <a:t>perceived)</a:t>
+              <a:t>Narrative that children cannot succeed without engaged parents (perceived)</a:t>
             </a:r>
           </a:p>
         </p:txBody>

--- a/Dissertation Defense_100314.pptx
+++ b/Dissertation Defense_100314.pptx
@@ -380,11 +380,11 @@
         </c:dLbls>
         <c:gapWidth val="55"/>
         <c:overlap val="100"/>
-        <c:axId val="-2122669784"/>
-        <c:axId val="-2122666936"/>
+        <c:axId val="-2092004552"/>
+        <c:axId val="-2092001576"/>
       </c:barChart>
       <c:catAx>
-        <c:axId val="-2122669784"/>
+        <c:axId val="-2092004552"/>
         <c:scaling>
           <c:orientation val="minMax"/>
         </c:scaling>
@@ -393,7 +393,7 @@
         <c:majorTickMark val="none"/>
         <c:minorTickMark val="none"/>
         <c:tickLblPos val="nextTo"/>
-        <c:crossAx val="-2122666936"/>
+        <c:crossAx val="-2092001576"/>
         <c:crosses val="autoZero"/>
         <c:auto val="1"/>
         <c:lblAlgn val="ctr"/>
@@ -401,7 +401,7 @@
         <c:noMultiLvlLbl val="0"/>
       </c:catAx>
       <c:valAx>
-        <c:axId val="-2122666936"/>
+        <c:axId val="-2092001576"/>
         <c:scaling>
           <c:orientation val="minMax"/>
         </c:scaling>
@@ -411,13 +411,14 @@
         <c:majorTickMark val="none"/>
         <c:minorTickMark val="none"/>
         <c:tickLblPos val="nextTo"/>
-        <c:crossAx val="-2122669784"/>
+        <c:crossAx val="-2092004552"/>
         <c:crosses val="autoZero"/>
         <c:crossBetween val="between"/>
       </c:valAx>
     </c:plotArea>
     <c:legend>
       <c:legendPos val="r"/>
+      <c:layout/>
       <c:overlay val="0"/>
     </c:legend>
     <c:plotVisOnly val="1"/>
@@ -15407,7 +15408,12 @@
             <p:ph idx="1"/>
           </p:nvPr>
         </p:nvSpPr>
-        <p:spPr/>
+        <p:spPr>
+          <a:xfrm>
+            <a:off x="457200" y="0"/>
+            <a:ext cx="8229600" cy="6126163"/>
+          </a:xfrm>
+        </p:spPr>
         <p:txBody>
           <a:bodyPr/>
           <a:lstStyle/>

--- a/Dissertation Defense_100314.pptx
+++ b/Dissertation Defense_100314.pptx
@@ -380,11 +380,11 @@
         </c:dLbls>
         <c:gapWidth val="55"/>
         <c:overlap val="100"/>
-        <c:axId val="-2092004552"/>
-        <c:axId val="-2092001576"/>
+        <c:axId val="-2102219640"/>
+        <c:axId val="-2102216856"/>
       </c:barChart>
       <c:catAx>
-        <c:axId val="-2092004552"/>
+        <c:axId val="-2102219640"/>
         <c:scaling>
           <c:orientation val="minMax"/>
         </c:scaling>
@@ -393,7 +393,7 @@
         <c:majorTickMark val="none"/>
         <c:minorTickMark val="none"/>
         <c:tickLblPos val="nextTo"/>
-        <c:crossAx val="-2092001576"/>
+        <c:crossAx val="-2102216856"/>
         <c:crosses val="autoZero"/>
         <c:auto val="1"/>
         <c:lblAlgn val="ctr"/>
@@ -401,7 +401,7 @@
         <c:noMultiLvlLbl val="0"/>
       </c:catAx>
       <c:valAx>
-        <c:axId val="-2092001576"/>
+        <c:axId val="-2102216856"/>
         <c:scaling>
           <c:orientation val="minMax"/>
         </c:scaling>
@@ -411,7 +411,7 @@
         <c:majorTickMark val="none"/>
         <c:minorTickMark val="none"/>
         <c:tickLblPos val="nextTo"/>
-        <c:crossAx val="-2092004552"/>
+        <c:crossAx val="-2102219640"/>
         <c:crosses val="autoZero"/>
         <c:crossBetween val="between"/>
       </c:valAx>
@@ -15410,12 +15410,14 @@
         </p:nvSpPr>
         <p:spPr>
           <a:xfrm>
-            <a:off x="457200" y="0"/>
-            <a:ext cx="8229600" cy="6126163"/>
+            <a:off x="457200" y="3699197"/>
+            <a:ext cx="8229600" cy="2426966"/>
           </a:xfrm>
         </p:spPr>
         <p:txBody>
-          <a:bodyPr/>
+          <a:bodyPr>
+            <a:normAutofit fontScale="92500" lnSpcReduction="10000"/>
+          </a:bodyPr>
           <a:lstStyle/>
           <a:p>
             <a:pPr marL="0" indent="0" algn="ctr">

--- a/Dissertation Defense_100314.pptx
+++ b/Dissertation Defense_100314.pptx
@@ -15410,13 +15410,13 @@
         </p:nvSpPr>
         <p:spPr>
           <a:xfrm>
-            <a:off x="457200" y="3699197"/>
-            <a:ext cx="8229600" cy="2426966"/>
+            <a:off x="457200" y="356549"/>
+            <a:ext cx="8229600" cy="5769614"/>
           </a:xfrm>
         </p:spPr>
         <p:txBody>
           <a:bodyPr>
-            <a:normAutofit fontScale="92500" lnSpcReduction="10000"/>
+            <a:normAutofit/>
           </a:bodyPr>
           <a:lstStyle/>
           <a:p>

--- a/Dissertation Defense_100314.pptx
+++ b/Dissertation Defense_100314.pptx
@@ -380,11 +380,11 @@
         </c:dLbls>
         <c:gapWidth val="55"/>
         <c:overlap val="100"/>
-        <c:axId val="-2102219640"/>
-        <c:axId val="-2102216856"/>
+        <c:axId val="2089346024"/>
+        <c:axId val="-2085677976"/>
       </c:barChart>
       <c:catAx>
-        <c:axId val="-2102219640"/>
+        <c:axId val="2089346024"/>
         <c:scaling>
           <c:orientation val="minMax"/>
         </c:scaling>
@@ -393,7 +393,7 @@
         <c:majorTickMark val="none"/>
         <c:minorTickMark val="none"/>
         <c:tickLblPos val="nextTo"/>
-        <c:crossAx val="-2102216856"/>
+        <c:crossAx val="-2085677976"/>
         <c:crosses val="autoZero"/>
         <c:auto val="1"/>
         <c:lblAlgn val="ctr"/>
@@ -401,7 +401,7 @@
         <c:noMultiLvlLbl val="0"/>
       </c:catAx>
       <c:valAx>
-        <c:axId val="-2102216856"/>
+        <c:axId val="-2085677976"/>
         <c:scaling>
           <c:orientation val="minMax"/>
         </c:scaling>
@@ -411,14 +411,13 @@
         <c:majorTickMark val="none"/>
         <c:minorTickMark val="none"/>
         <c:tickLblPos val="nextTo"/>
-        <c:crossAx val="-2102219640"/>
+        <c:crossAx val="2089346024"/>
         <c:crosses val="autoZero"/>
         <c:crossBetween val="between"/>
       </c:valAx>
     </c:plotArea>
     <c:legend>
       <c:legendPos val="r"/>
-      <c:layout/>
       <c:overlay val="0"/>
     </c:legend>
     <c:plotVisOnly val="1"/>
@@ -15410,8 +15409,8 @@
         </p:nvSpPr>
         <p:spPr>
           <a:xfrm>
-            <a:off x="457200" y="356549"/>
-            <a:ext cx="8229600" cy="5769614"/>
+            <a:off x="457200" y="1248607"/>
+            <a:ext cx="5540965" cy="4087320"/>
           </a:xfrm>
         </p:spPr>
         <p:txBody>
@@ -15424,7 +15423,10 @@
               <a:buNone/>
             </a:pPr>
             <a:r>
-              <a:rPr lang="en-US" dirty="0" smtClean="0"/>
+              <a:rPr lang="en-US" dirty="0" smtClean="0">
+                <a:latin typeface="Helvetica Neue"/>
+                <a:cs typeface="Helvetica Neue"/>
+              </a:rPr>
               <a:t>We live in a society that does not trust low-income families – often families of color – to be suitable parents.</a:t>
             </a:r>
           </a:p>
@@ -15432,14 +15434,20 @@
             <a:pPr marL="0" indent="0" algn="ctr">
               <a:buNone/>
             </a:pPr>
-            <a:endParaRPr lang="en-US" dirty="0"/>
+            <a:endParaRPr lang="en-US" dirty="0">
+              <a:latin typeface="Helvetica Neue"/>
+              <a:cs typeface="Helvetica Neue"/>
+            </a:endParaRPr>
           </a:p>
           <a:p>
             <a:pPr marL="0" indent="0" algn="ctr">
               <a:buNone/>
             </a:pPr>
             <a:r>
-              <a:rPr lang="en-US" dirty="0"/>
+              <a:rPr lang="en-US" dirty="0">
+                <a:latin typeface="Helvetica Neue"/>
+                <a:cs typeface="Helvetica Neue"/>
+              </a:rPr>
               <a:t>This lack of trust seeps into schools.</a:t>
             </a:r>
           </a:p>
@@ -15447,7 +15455,10 @@
             <a:pPr marL="0" indent="0" algn="ctr">
               <a:buNone/>
             </a:pPr>
-            <a:endParaRPr lang="en-US" dirty="0"/>
+            <a:endParaRPr lang="en-US" dirty="0">
+              <a:latin typeface="Helvetica Neue"/>
+              <a:cs typeface="Helvetica Neue"/>
+            </a:endParaRPr>
           </a:p>
         </p:txBody>
       </p:sp>

--- a/Dissertation Defense_100314.pptx
+++ b/Dissertation Defense_100314.pptx
@@ -380,11 +380,11 @@
         </c:dLbls>
         <c:gapWidth val="55"/>
         <c:overlap val="100"/>
-        <c:axId val="2089346024"/>
-        <c:axId val="-2085677976"/>
+        <c:axId val="-2102219640"/>
+        <c:axId val="-2102216856"/>
       </c:barChart>
       <c:catAx>
-        <c:axId val="2089346024"/>
+        <c:axId val="-2102219640"/>
         <c:scaling>
           <c:orientation val="minMax"/>
         </c:scaling>
@@ -393,7 +393,7 @@
         <c:majorTickMark val="none"/>
         <c:minorTickMark val="none"/>
         <c:tickLblPos val="nextTo"/>
-        <c:crossAx val="-2085677976"/>
+        <c:crossAx val="-2102216856"/>
         <c:crosses val="autoZero"/>
         <c:auto val="1"/>
         <c:lblAlgn val="ctr"/>
@@ -401,7 +401,7 @@
         <c:noMultiLvlLbl val="0"/>
       </c:catAx>
       <c:valAx>
-        <c:axId val="-2085677976"/>
+        <c:axId val="-2102216856"/>
         <c:scaling>
           <c:orientation val="minMax"/>
         </c:scaling>
@@ -411,13 +411,14 @@
         <c:majorTickMark val="none"/>
         <c:minorTickMark val="none"/>
         <c:tickLblPos val="nextTo"/>
-        <c:crossAx val="2089346024"/>
+        <c:crossAx val="-2102219640"/>
         <c:crosses val="autoZero"/>
         <c:crossBetween val="between"/>
       </c:valAx>
     </c:plotArea>
     <c:legend>
       <c:legendPos val="r"/>
+      <c:layout/>
       <c:overlay val="0"/>
     </c:legend>
     <c:plotVisOnly val="1"/>
@@ -15409,8 +15410,8 @@
         </p:nvSpPr>
         <p:spPr>
           <a:xfrm>
-            <a:off x="457200" y="1248607"/>
-            <a:ext cx="5540965" cy="4087320"/>
+            <a:off x="457200" y="356549"/>
+            <a:ext cx="8229600" cy="5769614"/>
           </a:xfrm>
         </p:spPr>
         <p:txBody>
@@ -15423,10 +15424,7 @@
               <a:buNone/>
             </a:pPr>
             <a:r>
-              <a:rPr lang="en-US" dirty="0" smtClean="0">
-                <a:latin typeface="Helvetica Neue"/>
-                <a:cs typeface="Helvetica Neue"/>
-              </a:rPr>
+              <a:rPr lang="en-US" dirty="0" smtClean="0"/>
               <a:t>We live in a society that does not trust low-income families – often families of color – to be suitable parents.</a:t>
             </a:r>
           </a:p>
@@ -15434,20 +15432,14 @@
             <a:pPr marL="0" indent="0" algn="ctr">
               <a:buNone/>
             </a:pPr>
-            <a:endParaRPr lang="en-US" dirty="0">
-              <a:latin typeface="Helvetica Neue"/>
-              <a:cs typeface="Helvetica Neue"/>
-            </a:endParaRPr>
+            <a:endParaRPr lang="en-US" dirty="0"/>
           </a:p>
           <a:p>
             <a:pPr marL="0" indent="0" algn="ctr">
               <a:buNone/>
             </a:pPr>
             <a:r>
-              <a:rPr lang="en-US" dirty="0">
-                <a:latin typeface="Helvetica Neue"/>
-                <a:cs typeface="Helvetica Neue"/>
-              </a:rPr>
+              <a:rPr lang="en-US" dirty="0"/>
               <a:t>This lack of trust seeps into schools.</a:t>
             </a:r>
           </a:p>
@@ -15455,10 +15447,7 @@
             <a:pPr marL="0" indent="0" algn="ctr">
               <a:buNone/>
             </a:pPr>
-            <a:endParaRPr lang="en-US" dirty="0">
-              <a:latin typeface="Helvetica Neue"/>
-              <a:cs typeface="Helvetica Neue"/>
-            </a:endParaRPr>
+            <a:endParaRPr lang="en-US" dirty="0"/>
           </a:p>
         </p:txBody>
       </p:sp>
